--- a/Git&GitHub.pptx
+++ b/Git&GitHub.pptx
@@ -5,10 +5,10 @@
     <p:sldMasterId id="2147483663" r:id="rId4"/>
   </p:sldMasterIdLst>
   <p:notesMasterIdLst>
-    <p:notesMasterId r:id="rId25"/>
+    <p:notesMasterId r:id="rId26"/>
   </p:notesMasterIdLst>
   <p:handoutMasterIdLst>
-    <p:handoutMasterId r:id="rId26"/>
+    <p:handoutMasterId r:id="rId27"/>
   </p:handoutMasterIdLst>
   <p:sldIdLst>
     <p:sldId id="436" r:id="rId5"/>
@@ -30,7 +30,8 @@
     <p:sldId id="458" r:id="rId21"/>
     <p:sldId id="459" r:id="rId22"/>
     <p:sldId id="460" r:id="rId23"/>
-    <p:sldId id="441" r:id="rId24"/>
+    <p:sldId id="461" r:id="rId24"/>
+    <p:sldId id="441" r:id="rId25"/>
   </p:sldIdLst>
   <p:sldSz cx="12192000" cy="6858000"/>
   <p:notesSz cx="6784975" cy="9906000"/>
@@ -378,7 +379,7 @@
           <a:p>
             <a:fld id="{EF1B505A-F652-4B67-A075-7FF58FFCF94B}" type="datetimeFigureOut">
               <a:rPr lang="de-DE" smtClean="0"/>
-              <a:t>29.12.2017</a:t>
+              <a:t>02.01.2018</a:t>
             </a:fld>
             <a:endParaRPr lang="de-DE"/>
           </a:p>
@@ -543,7 +544,7 @@
           <a:p>
             <a:fld id="{EF6B58D2-2422-413E-9B7E-7A886EC8E251}" type="datetimeFigureOut">
               <a:rPr lang="de-DE" smtClean="0"/>
-              <a:t>29.12.2017</a:t>
+              <a:t>02.01.2018</a:t>
             </a:fld>
             <a:endParaRPr lang="de-DE"/>
           </a:p>
@@ -5484,13 +5485,336 @@
           <a:bodyPr/>
           <a:lstStyle/>
           <a:p>
+            <a:pPr defTabSz="912383">
+              <a:defRPr/>
+            </a:pPr>
             <a:r>
               <a:rPr lang="de-DE" sz="1100" dirty="0">
+                <a:solidFill>
+                  <a:schemeClr val="tx1">
+                    <a:lumMod val="65000"/>
+                    <a:lumOff val="35000"/>
+                  </a:schemeClr>
+                </a:solidFill>
                 <a:latin typeface="Arial" panose="020B0604020202020204" pitchFamily="34" charset="0"/>
                 <a:cs typeface="Arial" panose="020B0604020202020204" pitchFamily="34" charset="0"/>
               </a:rPr>
-              <a:t>Rücktitel</a:t>
-            </a:r>
+              <a:t>Schauen Sie sich die Karte an: Fast </a:t>
+            </a:r>
+            <a:r>
+              <a:rPr lang="de-DE" sz="1100" b="1" dirty="0">
+                <a:solidFill>
+                  <a:schemeClr val="tx1">
+                    <a:lumMod val="65000"/>
+                    <a:lumOff val="35000"/>
+                  </a:schemeClr>
+                </a:solidFill>
+                <a:latin typeface="Arial" panose="020B0604020202020204" pitchFamily="34" charset="0"/>
+                <a:cs typeface="Arial" panose="020B0604020202020204" pitchFamily="34" charset="0"/>
+              </a:rPr>
+              <a:t>überall in Ihrer Nähe </a:t>
+            </a:r>
+            <a:r>
+              <a:rPr lang="de-DE" sz="1100" dirty="0">
+                <a:solidFill>
+                  <a:schemeClr val="tx1">
+                    <a:lumMod val="65000"/>
+                    <a:lumOff val="35000"/>
+                  </a:schemeClr>
+                </a:solidFill>
+                <a:latin typeface="Arial" panose="020B0604020202020204" pitchFamily="34" charset="0"/>
+                <a:cs typeface="Arial" panose="020B0604020202020204" pitchFamily="34" charset="0"/>
+              </a:rPr>
+              <a:t>finden Sie GFN-Trainingscenter </a:t>
+            </a:r>
+            <a:r>
+              <a:rPr lang="de-DE" sz="1100" baseline="0" dirty="0">
+                <a:latin typeface="Arial" panose="020B0604020202020204" pitchFamily="34" charset="0"/>
+                <a:cs typeface="Arial" panose="020B0604020202020204" pitchFamily="34" charset="0"/>
+              </a:rPr>
+              <a:t> –  </a:t>
+            </a:r>
+            <a:r>
+              <a:rPr lang="de-DE" sz="1100" b="1" baseline="0" dirty="0">
+                <a:latin typeface="Arial" panose="020B0604020202020204" pitchFamily="34" charset="0"/>
+                <a:cs typeface="Arial" panose="020B0604020202020204" pitchFamily="34" charset="0"/>
+              </a:rPr>
+              <a:t>Tendenz steigend</a:t>
+            </a:r>
+            <a:r>
+              <a:rPr lang="de-DE" sz="1100" baseline="0" dirty="0">
+                <a:latin typeface="Arial" panose="020B0604020202020204" pitchFamily="34" charset="0"/>
+                <a:cs typeface="Arial" panose="020B0604020202020204" pitchFamily="34" charset="0"/>
+              </a:rPr>
+              <a:t>.</a:t>
+            </a:r>
+            <a:endParaRPr lang="de-DE" sz="1100" dirty="0">
+              <a:solidFill>
+                <a:schemeClr val="tx1">
+                  <a:lumMod val="65000"/>
+                  <a:lumOff val="35000"/>
+                </a:schemeClr>
+              </a:solidFill>
+              <a:latin typeface="Arial" panose="020B0604020202020204" pitchFamily="34" charset="0"/>
+              <a:cs typeface="Arial" panose="020B0604020202020204" pitchFamily="34" charset="0"/>
+            </a:endParaRPr>
+          </a:p>
+          <a:p>
+            <a:pPr defTabSz="912383">
+              <a:buSzPct val="120000"/>
+              <a:defRPr/>
+            </a:pPr>
+            <a:endParaRPr lang="de-DE" sz="1100" dirty="0">
+              <a:solidFill>
+                <a:schemeClr val="tx1">
+                  <a:lumMod val="65000"/>
+                  <a:lumOff val="35000"/>
+                </a:schemeClr>
+              </a:solidFill>
+              <a:latin typeface="Arial" panose="020B0604020202020204" pitchFamily="34" charset="0"/>
+              <a:cs typeface="Arial" panose="020B0604020202020204" pitchFamily="34" charset="0"/>
+            </a:endParaRPr>
+          </a:p>
+          <a:p>
+            <a:pPr marL="179603" indent="-179603" defTabSz="912383">
+              <a:buSzPct val="120000"/>
+              <a:buFont typeface="Arial" panose="020B0604020202020204" pitchFamily="34" charset="0"/>
+              <a:buChar char="›"/>
+              <a:defRPr/>
+            </a:pPr>
+            <a:r>
+              <a:rPr lang="de-DE" sz="1100" dirty="0">
+                <a:solidFill>
+                  <a:schemeClr val="tx1">
+                    <a:lumMod val="65000"/>
+                    <a:lumOff val="35000"/>
+                  </a:schemeClr>
+                </a:solidFill>
+                <a:latin typeface="Arial" panose="020B0604020202020204" pitchFamily="34" charset="0"/>
+                <a:cs typeface="Arial" panose="020B0604020202020204" pitchFamily="34" charset="0"/>
+              </a:rPr>
+              <a:t>Unsere </a:t>
+            </a:r>
+            <a:r>
+              <a:rPr lang="de-DE" sz="1100" b="1" dirty="0">
+                <a:solidFill>
+                  <a:schemeClr val="tx1">
+                    <a:lumMod val="65000"/>
+                    <a:lumOff val="35000"/>
+                  </a:schemeClr>
+                </a:solidFill>
+                <a:latin typeface="Arial" panose="020B0604020202020204" pitchFamily="34" charset="0"/>
+                <a:cs typeface="Arial" panose="020B0604020202020204" pitchFamily="34" charset="0"/>
+              </a:rPr>
+              <a:t>Trainingscenter</a:t>
+            </a:r>
+            <a:r>
+              <a:rPr lang="de-DE" sz="1100" dirty="0">
+                <a:solidFill>
+                  <a:schemeClr val="tx1">
+                    <a:lumMod val="65000"/>
+                    <a:lumOff val="35000"/>
+                  </a:schemeClr>
+                </a:solidFill>
+                <a:latin typeface="Arial" panose="020B0604020202020204" pitchFamily="34" charset="0"/>
+                <a:cs typeface="Arial" panose="020B0604020202020204" pitchFamily="34" charset="0"/>
+              </a:rPr>
+              <a:t> liegen </a:t>
+            </a:r>
+            <a:r>
+              <a:rPr lang="de-DE" sz="1100" b="1" dirty="0">
+                <a:solidFill>
+                  <a:schemeClr val="tx1">
+                    <a:lumMod val="65000"/>
+                    <a:lumOff val="35000"/>
+                  </a:schemeClr>
+                </a:solidFill>
+                <a:latin typeface="Arial" panose="020B0604020202020204" pitchFamily="34" charset="0"/>
+                <a:cs typeface="Arial" panose="020B0604020202020204" pitchFamily="34" charset="0"/>
+              </a:rPr>
+              <a:t>zentral und verkehrsgünstig</a:t>
+            </a:r>
+            <a:endParaRPr lang="de-DE" sz="1100" dirty="0">
+              <a:solidFill>
+                <a:schemeClr val="tx1">
+                  <a:lumMod val="65000"/>
+                  <a:lumOff val="35000"/>
+                </a:schemeClr>
+              </a:solidFill>
+              <a:latin typeface="Arial" panose="020B0604020202020204" pitchFamily="34" charset="0"/>
+              <a:cs typeface="Arial" panose="020B0604020202020204" pitchFamily="34" charset="0"/>
+            </a:endParaRPr>
+          </a:p>
+          <a:p>
+            <a:pPr marL="179603" indent="-179603" defTabSz="912383">
+              <a:buSzPct val="120000"/>
+              <a:buFont typeface="Arial" panose="020B0604020202020204" pitchFamily="34" charset="0"/>
+              <a:buChar char="›"/>
+              <a:defRPr/>
+            </a:pPr>
+            <a:endParaRPr lang="de-DE" sz="1100" dirty="0">
+              <a:solidFill>
+                <a:schemeClr val="tx1">
+                  <a:lumMod val="65000"/>
+                  <a:lumOff val="35000"/>
+                </a:schemeClr>
+              </a:solidFill>
+              <a:latin typeface="Arial" panose="020B0604020202020204" pitchFamily="34" charset="0"/>
+              <a:cs typeface="Arial" panose="020B0604020202020204" pitchFamily="34" charset="0"/>
+            </a:endParaRPr>
+          </a:p>
+          <a:p>
+            <a:pPr marL="179603" indent="-179603" defTabSz="912383">
+              <a:buSzPct val="120000"/>
+              <a:buFont typeface="Arial" panose="020B0604020202020204" pitchFamily="34" charset="0"/>
+              <a:buChar char="›"/>
+              <a:defRPr/>
+            </a:pPr>
+            <a:r>
+              <a:rPr lang="de-DE" sz="1100" b="1" dirty="0">
+                <a:solidFill>
+                  <a:schemeClr val="tx1">
+                    <a:lumMod val="65000"/>
+                    <a:lumOff val="35000"/>
+                  </a:schemeClr>
+                </a:solidFill>
+                <a:latin typeface="Arial" panose="020B0604020202020204" pitchFamily="34" charset="0"/>
+                <a:cs typeface="Arial" panose="020B0604020202020204" pitchFamily="34" charset="0"/>
+              </a:rPr>
+              <a:t>Firmensitz </a:t>
+            </a:r>
+            <a:r>
+              <a:rPr lang="de-DE" sz="1100" dirty="0">
+                <a:solidFill>
+                  <a:schemeClr val="tx1">
+                    <a:lumMod val="65000"/>
+                    <a:lumOff val="35000"/>
+                  </a:schemeClr>
+                </a:solidFill>
+                <a:latin typeface="Arial" panose="020B0604020202020204" pitchFamily="34" charset="0"/>
+                <a:cs typeface="Arial" panose="020B0604020202020204" pitchFamily="34" charset="0"/>
+              </a:rPr>
+              <a:t>in der Universitätsstadt </a:t>
+            </a:r>
+            <a:r>
+              <a:rPr lang="de-DE" sz="1100" b="1" dirty="0">
+                <a:solidFill>
+                  <a:schemeClr val="tx1">
+                    <a:lumMod val="65000"/>
+                    <a:lumOff val="35000"/>
+                  </a:schemeClr>
+                </a:solidFill>
+                <a:latin typeface="Arial" panose="020B0604020202020204" pitchFamily="34" charset="0"/>
+                <a:cs typeface="Arial" panose="020B0604020202020204" pitchFamily="34" charset="0"/>
+              </a:rPr>
+              <a:t>Heidelberg</a:t>
+            </a:r>
+            <a:endParaRPr lang="de-DE" sz="1100" dirty="0">
+              <a:solidFill>
+                <a:schemeClr val="tx1">
+                  <a:lumMod val="65000"/>
+                  <a:lumOff val="35000"/>
+                </a:schemeClr>
+              </a:solidFill>
+              <a:latin typeface="Arial" panose="020B0604020202020204" pitchFamily="34" charset="0"/>
+              <a:cs typeface="Arial" panose="020B0604020202020204" pitchFamily="34" charset="0"/>
+            </a:endParaRPr>
+          </a:p>
+          <a:p>
+            <a:pPr marL="179603" indent="-179603" defTabSz="912383">
+              <a:buSzPct val="120000"/>
+              <a:buFont typeface="Arial" panose="020B0604020202020204" pitchFamily="34" charset="0"/>
+              <a:buChar char="›"/>
+              <a:defRPr/>
+            </a:pPr>
+            <a:endParaRPr lang="de-DE" sz="1100" dirty="0">
+              <a:solidFill>
+                <a:schemeClr val="tx1">
+                  <a:lumMod val="65000"/>
+                  <a:lumOff val="35000"/>
+                </a:schemeClr>
+              </a:solidFill>
+              <a:latin typeface="Arial" panose="020B0604020202020204" pitchFamily="34" charset="0"/>
+              <a:cs typeface="Arial" panose="020B0604020202020204" pitchFamily="34" charset="0"/>
+            </a:endParaRPr>
+          </a:p>
+          <a:p>
+            <a:pPr marL="179603" indent="-179603" defTabSz="912383">
+              <a:buSzPct val="120000"/>
+              <a:buFont typeface="Arial" panose="020B0604020202020204" pitchFamily="34" charset="0"/>
+              <a:buChar char="›"/>
+              <a:defRPr/>
+            </a:pPr>
+            <a:r>
+              <a:rPr lang="de-DE" sz="1100" dirty="0">
+                <a:solidFill>
+                  <a:schemeClr val="tx1">
+                    <a:lumMod val="65000"/>
+                    <a:lumOff val="35000"/>
+                  </a:schemeClr>
+                </a:solidFill>
+                <a:latin typeface="Arial" panose="020B0604020202020204" pitchFamily="34" charset="0"/>
+                <a:cs typeface="Arial" panose="020B0604020202020204" pitchFamily="34" charset="0"/>
+              </a:rPr>
+              <a:t>Nähe zur Schweiz</a:t>
+            </a:r>
+          </a:p>
+          <a:p>
+            <a:pPr>
+              <a:buSzPct val="120000"/>
+            </a:pPr>
+            <a:endParaRPr lang="de-DE" sz="1100" dirty="0">
+              <a:solidFill>
+                <a:schemeClr val="tx1">
+                  <a:lumMod val="65000"/>
+                  <a:lumOff val="35000"/>
+                </a:schemeClr>
+              </a:solidFill>
+              <a:latin typeface="Arial" panose="020B0604020202020204" pitchFamily="34" charset="0"/>
+              <a:cs typeface="Arial" panose="020B0604020202020204" pitchFamily="34" charset="0"/>
+            </a:endParaRPr>
+          </a:p>
+          <a:p>
+            <a:pPr marL="179603" indent="-179603">
+              <a:buSzPct val="120000"/>
+              <a:buFont typeface="Arial" panose="020B0604020202020204" pitchFamily="34" charset="0"/>
+              <a:buChar char="›"/>
+            </a:pPr>
+            <a:r>
+              <a:rPr lang="de-DE" sz="1100" b="1" dirty="0">
+                <a:solidFill>
+                  <a:schemeClr val="tx1">
+                    <a:lumMod val="65000"/>
+                    <a:lumOff val="35000"/>
+                  </a:schemeClr>
+                </a:solidFill>
+                <a:latin typeface="Arial" panose="020B0604020202020204" pitchFamily="34" charset="0"/>
+                <a:cs typeface="Arial" panose="020B0604020202020204" pitchFamily="34" charset="0"/>
+              </a:rPr>
+              <a:t>internationale Standorte: </a:t>
+            </a:r>
+            <a:r>
+              <a:rPr lang="de-DE" sz="1100" dirty="0">
+                <a:solidFill>
+                  <a:schemeClr val="tx1">
+                    <a:lumMod val="65000"/>
+                    <a:lumOff val="35000"/>
+                  </a:schemeClr>
+                </a:solidFill>
+                <a:latin typeface="Arial" panose="020B0604020202020204" pitchFamily="34" charset="0"/>
+                <a:cs typeface="Arial" panose="020B0604020202020204" pitchFamily="34" charset="0"/>
+              </a:rPr>
+              <a:t>Istanbul und Puerto de la Cruz (Teneriffa) </a:t>
+            </a:r>
+          </a:p>
+          <a:p>
+            <a:endParaRPr lang="de-DE" sz="1100" dirty="0">
+              <a:latin typeface="Arial" panose="020B0604020202020204" pitchFamily="34" charset="0"/>
+              <a:cs typeface="Arial" panose="020B0604020202020204" pitchFamily="34" charset="0"/>
+            </a:endParaRPr>
+          </a:p>
+          <a:p>
+            <a:endParaRPr lang="de-DE" dirty="0"/>
           </a:p>
         </p:txBody>
       </p:sp>
@@ -5512,6 +5836,96 @@
             <a:fld id="{FEC648E0-EB43-4505-B2A9-B1FFA0B7B988}" type="slidenum">
               <a:rPr lang="de-DE" smtClean="0"/>
               <a:t>20</a:t>
+            </a:fld>
+            <a:endParaRPr lang="de-DE"/>
+          </a:p>
+        </p:txBody>
+      </p:sp>
+    </p:spTree>
+    <p:extLst>
+      <p:ext uri="{BB962C8B-B14F-4D97-AF65-F5344CB8AC3E}">
+        <p14:creationId xmlns:p14="http://schemas.microsoft.com/office/powerpoint/2010/main" val="2639112442"/>
+      </p:ext>
+    </p:extLst>
+  </p:cSld>
+  <p:clrMapOvr>
+    <a:masterClrMapping/>
+  </p:clrMapOvr>
+</p:notes>
+</file>
+
+<file path=ppt/notesSlides/notesSlide21.xml><?xml version="1.0" encoding="utf-8"?>
+<p:notes xmlns:a="http://schemas.openxmlformats.org/drawingml/2006/main" xmlns:r="http://schemas.openxmlformats.org/officeDocument/2006/relationships" xmlns:p="http://schemas.openxmlformats.org/presentationml/2006/main">
+  <p:cSld>
+    <p:spTree>
+      <p:nvGrpSpPr>
+        <p:cNvPr id="1" name=""/>
+        <p:cNvGrpSpPr/>
+        <p:nvPr/>
+      </p:nvGrpSpPr>
+      <p:grpSpPr>
+        <a:xfrm>
+          <a:off x="0" y="0"/>
+          <a:ext cx="0" cy="0"/>
+          <a:chOff x="0" y="0"/>
+          <a:chExt cx="0" cy="0"/>
+        </a:xfrm>
+      </p:grpSpPr>
+      <p:sp>
+        <p:nvSpPr>
+          <p:cNvPr id="2" name="Folienbildplatzhalter 1"/>
+          <p:cNvSpPr>
+            <a:spLocks noGrp="1" noRot="1" noChangeAspect="1"/>
+          </p:cNvSpPr>
+          <p:nvPr>
+            <p:ph type="sldImg"/>
+          </p:nvPr>
+        </p:nvSpPr>
+        <p:spPr/>
+      </p:sp>
+      <p:sp>
+        <p:nvSpPr>
+          <p:cNvPr id="3" name="Notizenplatzhalter 2"/>
+          <p:cNvSpPr>
+            <a:spLocks noGrp="1"/>
+          </p:cNvSpPr>
+          <p:nvPr>
+            <p:ph type="body" idx="1"/>
+          </p:nvPr>
+        </p:nvSpPr>
+        <p:spPr/>
+        <p:txBody>
+          <a:bodyPr/>
+          <a:lstStyle/>
+          <a:p>
+            <a:r>
+              <a:rPr lang="de-DE" sz="1100" dirty="0">
+                <a:latin typeface="Arial" panose="020B0604020202020204" pitchFamily="34" charset="0"/>
+                <a:cs typeface="Arial" panose="020B0604020202020204" pitchFamily="34" charset="0"/>
+              </a:rPr>
+              <a:t>Rücktitel</a:t>
+            </a:r>
+          </a:p>
+        </p:txBody>
+      </p:sp>
+      <p:sp>
+        <p:nvSpPr>
+          <p:cNvPr id="4" name="Foliennummernplatzhalter 3"/>
+          <p:cNvSpPr>
+            <a:spLocks noGrp="1"/>
+          </p:cNvSpPr>
+          <p:nvPr>
+            <p:ph type="sldNum" sz="quarter" idx="10"/>
+          </p:nvPr>
+        </p:nvSpPr>
+        <p:spPr/>
+        <p:txBody>
+          <a:bodyPr/>
+          <a:lstStyle/>
+          <a:p>
+            <a:fld id="{FEC648E0-EB43-4505-B2A9-B1FFA0B7B988}" type="slidenum">
+              <a:rPr lang="de-DE" smtClean="0"/>
+              <a:t>21</a:t>
             </a:fld>
             <a:endParaRPr lang="de-DE"/>
           </a:p>
@@ -21513,7 +21927,7 @@
                 <a:latin typeface="Arial"/>
                 <a:cs typeface="Arial"/>
               </a:rPr>
-              <a:t>Textdatei, zum verzeichnen der nicht zu beachtenden Dateien</a:t>
+              <a:t>Textdatei, Verzeichnis der nicht zu beachtenden Dateien</a:t>
             </a:r>
           </a:p>
         </p:txBody>
@@ -21691,7 +22105,7 @@
         </p:nvSpPr>
         <p:spPr>
           <a:xfrm>
-            <a:off x="1408681" y="1780944"/>
+            <a:off x="1408681" y="2460714"/>
             <a:ext cx="8179483" cy="940770"/>
           </a:xfrm>
           <a:prstGeom prst="rect">
@@ -21854,7 +22268,7 @@
         </p:nvSpPr>
         <p:spPr>
           <a:xfrm>
-            <a:off x="1408681" y="2940087"/>
+            <a:off x="1408681" y="3619857"/>
             <a:ext cx="8111516" cy="940770"/>
           </a:xfrm>
           <a:prstGeom prst="rect">
@@ -21984,41 +22398,7 @@
                 <a:ea typeface="+mn-ea"/>
                 <a:cs typeface="Arial"/>
               </a:rPr>
-              <a:t>Zeigt die Unterscheide zwischen dem </a:t>
-            </a:r>
-            <a:r>
-              <a:rPr kumimoji="0" lang="de-DE" sz="2400" b="0" i="0" u="none" strike="noStrike" kern="1200" cap="none" spc="0" normalizeH="0" baseline="0" noProof="0" dirty="0" err="1">
-                <a:ln>
-                  <a:noFill/>
-                </a:ln>
-                <a:solidFill>
-                  <a:srgbClr val="236192"/>
-                </a:solidFill>
-                <a:effectLst/>
-                <a:uLnTx/>
-                <a:uFillTx/>
-                <a:latin typeface="Arial"/>
-                <a:ea typeface="+mn-ea"/>
-                <a:cs typeface="Arial"/>
-              </a:rPr>
-              <a:t>Staged</a:t>
-            </a:r>
-            <a:r>
-              <a:rPr kumimoji="0" lang="de-DE" sz="2400" b="0" i="0" u="none" strike="noStrike" kern="1200" cap="none" spc="0" normalizeH="0" baseline="0" noProof="0" dirty="0">
-                <a:ln>
-                  <a:noFill/>
-                </a:ln>
-                <a:solidFill>
-                  <a:srgbClr val="236192"/>
-                </a:solidFill>
-                <a:effectLst/>
-                <a:uLnTx/>
-                <a:uFillTx/>
-                <a:latin typeface="Arial"/>
-                <a:ea typeface="+mn-ea"/>
-                <a:cs typeface="Arial"/>
-              </a:rPr>
-              <a:t> und Commit</a:t>
+              <a:t>Zeigt die Unterscheide zwischen dem Stage und Commit</a:t>
             </a:r>
           </a:p>
         </p:txBody>
@@ -22037,7 +22417,7 @@
         </p:nvSpPr>
         <p:spPr>
           <a:xfrm>
-            <a:off x="1408681" y="4099230"/>
+            <a:off x="1408681" y="4779000"/>
             <a:ext cx="9031319" cy="940770"/>
           </a:xfrm>
           <a:prstGeom prst="rect">
@@ -22156,6 +22536,169 @@
               <a:ea typeface="+mn-ea"/>
               <a:cs typeface="Arial"/>
             </a:endParaRPr>
+          </a:p>
+        </p:txBody>
+      </p:sp>
+      <p:sp>
+        <p:nvSpPr>
+          <p:cNvPr id="8" name="Textfeld 7">
+            <a:extLst>
+              <a:ext uri="{FF2B5EF4-FFF2-40B4-BE49-F238E27FC236}">
+                <a16:creationId xmlns:a16="http://schemas.microsoft.com/office/drawing/2014/main" id="{35ABB5F4-6A67-4014-AA11-6133819BE573}"/>
+              </a:ext>
+            </a:extLst>
+          </p:cNvPr>
+          <p:cNvSpPr txBox="1"/>
+          <p:nvPr/>
+        </p:nvSpPr>
+        <p:spPr>
+          <a:xfrm>
+            <a:off x="1410075" y="1410758"/>
+            <a:ext cx="5351786" cy="940770"/>
+          </a:xfrm>
+          <a:prstGeom prst="rect">
+            <a:avLst/>
+          </a:prstGeom>
+          <a:noFill/>
+        </p:spPr>
+        <p:txBody>
+          <a:bodyPr wrap="none" rtlCol="0">
+            <a:spAutoFit/>
+          </a:bodyPr>
+          <a:lstStyle/>
+          <a:p>
+            <a:pPr marL="0" marR="0" indent="0" algn="l" defTabSz="914400" rtl="0" eaLnBrk="1" fontAlgn="auto" latinLnBrk="0" hangingPunct="1">
+              <a:lnSpc>
+                <a:spcPct val="90000"/>
+              </a:lnSpc>
+              <a:spcBef>
+                <a:spcPts val="1000"/>
+              </a:spcBef>
+              <a:spcAft>
+                <a:spcPts val="0"/>
+              </a:spcAft>
+              <a:buClrTx/>
+              <a:buSzTx/>
+              <a:buFont typeface="Arial" panose="020B0604020202020204" pitchFamily="34" charset="0"/>
+              <a:buNone/>
+              <a:tabLst/>
+            </a:pPr>
+            <a:r>
+              <a:rPr lang="de-DE" sz="2800" dirty="0">
+                <a:solidFill>
+                  <a:srgbClr val="00B050"/>
+                </a:solidFill>
+                <a:latin typeface="Arial"/>
+                <a:cs typeface="Arial"/>
+              </a:rPr>
+              <a:t>$ </a:t>
+            </a:r>
+            <a:r>
+              <a:rPr lang="de-DE" sz="2800" dirty="0" err="1">
+                <a:solidFill>
+                  <a:srgbClr val="00B050"/>
+                </a:solidFill>
+                <a:latin typeface="Arial"/>
+                <a:cs typeface="Arial"/>
+              </a:rPr>
+              <a:t>git</a:t>
+            </a:r>
+            <a:r>
+              <a:rPr lang="de-DE" sz="2800" dirty="0">
+                <a:solidFill>
+                  <a:srgbClr val="00B050"/>
+                </a:solidFill>
+                <a:latin typeface="Arial"/>
+                <a:cs typeface="Arial"/>
+              </a:rPr>
+              <a:t> </a:t>
+            </a:r>
+            <a:r>
+              <a:rPr lang="de-DE" sz="2800" dirty="0" err="1">
+                <a:solidFill>
+                  <a:srgbClr val="00B050"/>
+                </a:solidFill>
+                <a:latin typeface="Arial"/>
+                <a:cs typeface="Arial"/>
+              </a:rPr>
+              <a:t>status</a:t>
+            </a:r>
+            <a:endParaRPr lang="de-DE" sz="2800" dirty="0">
+              <a:solidFill>
+                <a:srgbClr val="00B050"/>
+              </a:solidFill>
+              <a:latin typeface="Arial"/>
+              <a:cs typeface="Arial"/>
+            </a:endParaRPr>
+          </a:p>
+          <a:p>
+            <a:pPr marL="0" marR="0" indent="0" algn="l" defTabSz="914400" rtl="0" eaLnBrk="1" fontAlgn="auto" latinLnBrk="0" hangingPunct="1">
+              <a:lnSpc>
+                <a:spcPct val="90000"/>
+              </a:lnSpc>
+              <a:spcBef>
+                <a:spcPts val="1000"/>
+              </a:spcBef>
+              <a:spcAft>
+                <a:spcPts val="0"/>
+              </a:spcAft>
+              <a:buClrTx/>
+              <a:buSzTx/>
+              <a:buFont typeface="Arial" panose="020B0604020202020204" pitchFamily="34" charset="0"/>
+              <a:buNone/>
+              <a:tabLst/>
+            </a:pPr>
+            <a:r>
+              <a:rPr kumimoji="0" lang="de-DE" sz="2400" b="0" i="0" u="none" strike="noStrike" kern="1200" cap="none" spc="0" normalizeH="0" baseline="0" noProof="0" dirty="0">
+                <a:ln>
+                  <a:noFill/>
+                </a:ln>
+                <a:solidFill>
+                  <a:srgbClr val="236192"/>
+                </a:solidFill>
+                <a:effectLst/>
+                <a:uLnTx/>
+                <a:uFillTx/>
+                <a:latin typeface="Arial"/>
+                <a:ea typeface="+mn-ea"/>
+                <a:cs typeface="Arial"/>
+              </a:rPr>
+              <a:t>Zeigt den Status des </a:t>
+            </a:r>
+            <a:r>
+              <a:rPr kumimoji="0" lang="de-DE" sz="2400" b="0" i="0" u="none" strike="noStrike" kern="1200" cap="none" spc="0" normalizeH="0" baseline="0" noProof="0" dirty="0" err="1">
+                <a:ln>
+                  <a:noFill/>
+                </a:ln>
+                <a:solidFill>
+                  <a:srgbClr val="236192"/>
+                </a:solidFill>
+                <a:effectLst/>
+                <a:uLnTx/>
+                <a:uFillTx/>
+                <a:latin typeface="Arial"/>
+                <a:ea typeface="+mn-ea"/>
+                <a:cs typeface="Arial"/>
+              </a:rPr>
+              <a:t>Trees</a:t>
+            </a:r>
+            <a:r>
+              <a:rPr kumimoji="0" lang="de-DE" sz="2400" b="0" i="0" u="none" strike="noStrike" kern="1200" cap="none" spc="0" normalizeH="0" baseline="0" noProof="0" dirty="0">
+                <a:ln>
+                  <a:noFill/>
+                </a:ln>
+                <a:solidFill>
+                  <a:srgbClr val="236192"/>
+                </a:solidFill>
+                <a:effectLst/>
+                <a:uLnTx/>
+                <a:uFillTx/>
+                <a:latin typeface="Arial"/>
+                <a:ea typeface="+mn-ea"/>
+                <a:cs typeface="Arial"/>
+              </a:rPr>
+              <a:t> und Stage</a:t>
+            </a:r>
           </a:p>
         </p:txBody>
       </p:sp>
@@ -22388,7 +22931,7 @@
                 <a:latin typeface="Arial"/>
                 <a:cs typeface="Arial"/>
               </a:rPr>
-              <a:t> </a:t>
+              <a:t> &lt;</a:t>
             </a:r>
             <a:r>
               <a:rPr lang="de-DE" sz="2800" dirty="0" err="1">
@@ -22398,7 +22941,7 @@
                 <a:latin typeface="Arial"/>
                 <a:cs typeface="Arial"/>
               </a:rPr>
-              <a:t>origin</a:t>
+              <a:t>name</a:t>
             </a:r>
             <a:r>
               <a:rPr lang="de-DE" sz="2800" dirty="0">
@@ -22408,7 +22951,7 @@
                 <a:latin typeface="Arial"/>
                 <a:cs typeface="Arial"/>
               </a:rPr>
-              <a:t> &lt;remote&gt;</a:t>
+              <a:t>&gt; &lt;remote&gt;</a:t>
             </a:r>
           </a:p>
           <a:p>
@@ -22497,7 +23040,7 @@
         <p:spPr>
           <a:xfrm>
             <a:off x="1341241" y="2666219"/>
-            <a:ext cx="6930000" cy="940770"/>
+            <a:ext cx="9448180" cy="940770"/>
           </a:xfrm>
           <a:prstGeom prst="rect">
             <a:avLst/>
@@ -22682,6 +23225,26 @@
                 <a:cs typeface="Arial"/>
               </a:rPr>
               <a:t>Commits</a:t>
+            </a:r>
+            <a:r>
+              <a:rPr lang="de-DE" sz="2400" dirty="0">
+                <a:solidFill>
+                  <a:srgbClr val="236192"/>
+                </a:solidFill>
+                <a:latin typeface="Arial"/>
+                <a:cs typeface="Arial"/>
+              </a:rPr>
+              <a:t> eines </a:t>
+            </a:r>
+            <a:r>
+              <a:rPr lang="de-DE" sz="2400" dirty="0" err="1">
+                <a:solidFill>
+                  <a:srgbClr val="236192"/>
+                </a:solidFill>
+                <a:latin typeface="Arial"/>
+                <a:cs typeface="Arial"/>
+              </a:rPr>
+              <a:t>Branches</a:t>
             </a:r>
             <a:r>
               <a:rPr lang="de-DE" sz="2400" dirty="0">
@@ -28297,6 +28860,128 @@
       </p:grpSpPr>
       <p:pic>
         <p:nvPicPr>
+          <p:cNvPr id="5" name="Grafik 8"/>
+          <p:cNvPicPr>
+            <a:picLocks noChangeAspect="1"/>
+          </p:cNvPicPr>
+          <p:nvPr/>
+        </p:nvPicPr>
+        <p:blipFill>
+          <a:blip r:embed="rId3" cstate="print">
+            <a:extLst>
+              <a:ext uri="{28A0092B-C50C-407E-A947-70E740481C1C}">
+                <a14:useLocalDpi xmlns:a14="http://schemas.microsoft.com/office/drawing/2010/main" val="0"/>
+              </a:ext>
+            </a:extLst>
+          </a:blip>
+          <a:stretch>
+            <a:fillRect/>
+          </a:stretch>
+        </p:blipFill>
+        <p:spPr>
+          <a:xfrm>
+            <a:off x="10440000" y="5040000"/>
+            <a:ext cx="1566001" cy="1566001"/>
+          </a:xfrm>
+          <a:prstGeom prst="rect">
+            <a:avLst/>
+          </a:prstGeom>
+        </p:spPr>
+      </p:pic>
+      <p:sp>
+        <p:nvSpPr>
+          <p:cNvPr id="4" name="Textfeld 3">
+            <a:extLst>
+              <a:ext uri="{FF2B5EF4-FFF2-40B4-BE49-F238E27FC236}">
+                <a16:creationId xmlns:a16="http://schemas.microsoft.com/office/drawing/2014/main" id="{A8534451-DA54-46E4-8D4E-9D1848585FE9}"/>
+              </a:ext>
+            </a:extLst>
+          </p:cNvPr>
+          <p:cNvSpPr txBox="1"/>
+          <p:nvPr/>
+        </p:nvSpPr>
+        <p:spPr>
+          <a:xfrm>
+            <a:off x="0" y="3024000"/>
+            <a:ext cx="12192000" cy="535531"/>
+          </a:xfrm>
+          <a:prstGeom prst="rect">
+            <a:avLst/>
+          </a:prstGeom>
+          <a:noFill/>
+        </p:spPr>
+        <p:txBody>
+          <a:bodyPr wrap="square" rtlCol="0">
+            <a:spAutoFit/>
+          </a:bodyPr>
+          <a:lstStyle/>
+          <a:p>
+            <a:pPr algn="ctr">
+              <a:lnSpc>
+                <a:spcPct val="90000"/>
+              </a:lnSpc>
+              <a:spcBef>
+                <a:spcPts val="1000"/>
+              </a:spcBef>
+            </a:pPr>
+            <a:r>
+              <a:rPr lang="de-DE" sz="3200" dirty="0">
+                <a:solidFill>
+                  <a:srgbClr val="236192"/>
+                </a:solidFill>
+                <a:latin typeface="Raleway" panose="020B0003030101060003" pitchFamily="34" charset="0"/>
+                <a:cs typeface="Arial"/>
+              </a:rPr>
+              <a:t>https://guides.github.com/features/mastering-markdown/</a:t>
+            </a:r>
+            <a:endParaRPr kumimoji="0" lang="de-DE" sz="3200" b="0" i="0" u="none" strike="noStrike" kern="1200" cap="none" spc="0" normalizeH="0" baseline="0" noProof="0" dirty="0">
+              <a:ln>
+                <a:noFill/>
+              </a:ln>
+              <a:solidFill>
+                <a:srgbClr val="236192"/>
+              </a:solidFill>
+              <a:effectLst/>
+              <a:uLnTx/>
+              <a:uFillTx/>
+              <a:latin typeface="Raleway" panose="020B0003030101060003" pitchFamily="34" charset="0"/>
+              <a:cs typeface="Arial"/>
+            </a:endParaRPr>
+          </a:p>
+        </p:txBody>
+      </p:sp>
+    </p:spTree>
+    <p:extLst>
+      <p:ext uri="{BB962C8B-B14F-4D97-AF65-F5344CB8AC3E}">
+        <p14:creationId xmlns:p14="http://schemas.microsoft.com/office/powerpoint/2010/main" val="330837655"/>
+      </p:ext>
+    </p:extLst>
+  </p:cSld>
+  <p:clrMapOvr>
+    <a:masterClrMapping/>
+  </p:clrMapOvr>
+</p:sld>
+</file>
+
+<file path=ppt/slides/slide21.xml><?xml version="1.0" encoding="utf-8"?>
+<p:sld xmlns:a="http://schemas.openxmlformats.org/drawingml/2006/main" xmlns:r="http://schemas.openxmlformats.org/officeDocument/2006/relationships" xmlns:p="http://schemas.openxmlformats.org/presentationml/2006/main">
+  <p:cSld>
+    <p:spTree>
+      <p:nvGrpSpPr>
+        <p:cNvPr id="1" name=""/>
+        <p:cNvGrpSpPr/>
+        <p:nvPr/>
+      </p:nvGrpSpPr>
+      <p:grpSpPr>
+        <a:xfrm>
+          <a:off x="0" y="0"/>
+          <a:ext cx="0" cy="0"/>
+          <a:chOff x="0" y="0"/>
+          <a:chExt cx="0" cy="0"/>
+        </a:xfrm>
+      </p:grpSpPr>
+      <p:pic>
+        <p:nvPicPr>
           <p:cNvPr id="3" name="Bild 2" descr="zauberwuerfel.png"/>
           <p:cNvPicPr>
             <a:picLocks noChangeAspect="1"/>
@@ -28559,7 +29244,7 @@
         <p:spPr>
           <a:xfrm>
             <a:off x="3486953" y="2079000"/>
-            <a:ext cx="4565673" cy="2267287"/>
+            <a:ext cx="4562467" cy="2267287"/>
           </a:xfrm>
           <a:prstGeom prst="rect">
             <a:avLst/>
@@ -28602,8 +29287,31 @@
                 <a:latin typeface="Raleway" panose="020B0003030101060003" pitchFamily="34" charset="0"/>
                 <a:cs typeface="Arial"/>
               </a:rPr>
-              <a:t>Datei.txt</a:t>
-            </a:r>
+              <a:t>Datei.</a:t>
+            </a:r>
+            <a:r>
+              <a:rPr lang="de-DE" sz="2400" dirty="0" err="1">
+                <a:solidFill>
+                  <a:srgbClr val="236192"/>
+                </a:solidFill>
+                <a:latin typeface="Raleway" panose="020B0003030101060003" pitchFamily="34" charset="0"/>
+                <a:cs typeface="Arial"/>
+              </a:rPr>
+              <a:t>py</a:t>
+            </a:r>
+            <a:endParaRPr kumimoji="0" lang="de-DE" sz="2400" b="0" i="0" u="none" strike="noStrike" kern="1200" cap="none" spc="0" normalizeH="0" baseline="0" noProof="0" dirty="0">
+              <a:ln>
+                <a:noFill/>
+              </a:ln>
+              <a:solidFill>
+                <a:srgbClr val="236192"/>
+              </a:solidFill>
+              <a:effectLst/>
+              <a:uLnTx/>
+              <a:uFillTx/>
+              <a:latin typeface="Raleway" panose="020B0003030101060003" pitchFamily="34" charset="0"/>
+              <a:cs typeface="Arial"/>
+            </a:endParaRPr>
           </a:p>
           <a:p>
             <a:pPr marL="342900" marR="0" indent="-342900" algn="l" defTabSz="914400" rtl="0" eaLnBrk="1" fontAlgn="auto" latinLnBrk="0" hangingPunct="1">
@@ -28630,7 +29338,7 @@
                 <a:latin typeface="Raleway" panose="020B0003030101060003" pitchFamily="34" charset="0"/>
                 <a:cs typeface="Arial"/>
               </a:rPr>
-              <a:t>Datei-mit-Veränderung.txt</a:t>
+              <a:t>Datei-mit-Veränderung.py</a:t>
             </a:r>
           </a:p>
           <a:p>
@@ -28674,8 +29382,25 @@
                 <a:latin typeface="Raleway" panose="020B0003030101060003" pitchFamily="34" charset="0"/>
                 <a:cs typeface="Arial"/>
               </a:rPr>
-              <a:t>-mit-Veränderung(1).txt</a:t>
-            </a:r>
+              <a:t>-mit-Veränderung(1).</a:t>
+            </a:r>
+            <a:r>
+              <a:rPr lang="de-DE" sz="2400" dirty="0" err="1">
+                <a:solidFill>
+                  <a:srgbClr val="236192"/>
+                </a:solidFill>
+                <a:latin typeface="Raleway" panose="020B0003030101060003" pitchFamily="34" charset="0"/>
+                <a:cs typeface="Arial"/>
+              </a:rPr>
+              <a:t>py</a:t>
+            </a:r>
+            <a:endParaRPr lang="de-DE" sz="2400" dirty="0">
+              <a:solidFill>
+                <a:srgbClr val="236192"/>
+              </a:solidFill>
+              <a:latin typeface="Raleway" panose="020B0003030101060003" pitchFamily="34" charset="0"/>
+              <a:cs typeface="Arial"/>
+            </a:endParaRPr>
           </a:p>
           <a:p>
             <a:pPr marL="342900" marR="0" indent="-342900" algn="l" defTabSz="914400" rtl="0" eaLnBrk="1" fontAlgn="auto" latinLnBrk="0" hangingPunct="1">
@@ -28708,8 +29433,31 @@
                 <a:latin typeface="Raleway" panose="020B0003030101060003" pitchFamily="34" charset="0"/>
                 <a:cs typeface="Arial"/>
               </a:rPr>
-              <a:t>Datei(Feature-Test).txt</a:t>
-            </a:r>
+              <a:t>Datei(Feature-Test).</a:t>
+            </a:r>
+            <a:r>
+              <a:rPr lang="de-DE" sz="2400" dirty="0" err="1">
+                <a:solidFill>
+                  <a:srgbClr val="236192"/>
+                </a:solidFill>
+                <a:latin typeface="Raleway" panose="020B0003030101060003" pitchFamily="34" charset="0"/>
+                <a:cs typeface="Arial"/>
+              </a:rPr>
+              <a:t>py</a:t>
+            </a:r>
+            <a:endParaRPr kumimoji="0" lang="de-DE" sz="2400" b="0" i="0" u="none" strike="noStrike" kern="1200" cap="none" spc="0" normalizeH="0" baseline="0" noProof="0" dirty="0">
+              <a:ln>
+                <a:noFill/>
+              </a:ln>
+              <a:solidFill>
+                <a:srgbClr val="236192"/>
+              </a:solidFill>
+              <a:effectLst/>
+              <a:uLnTx/>
+              <a:uFillTx/>
+              <a:latin typeface="Raleway" panose="020B0003030101060003" pitchFamily="34" charset="0"/>
+              <a:cs typeface="Arial"/>
+            </a:endParaRPr>
           </a:p>
           <a:p>
             <a:pPr marL="342900" marR="0" indent="-342900" algn="l" defTabSz="914400" rtl="0" eaLnBrk="1" fontAlgn="auto" latinLnBrk="0" hangingPunct="1">
@@ -32504,7 +33252,7 @@
         </p:nvSpPr>
         <p:spPr>
           <a:xfrm>
-            <a:off x="4185001" y="2691628"/>
+            <a:off x="2316000" y="2441200"/>
             <a:ext cx="1469313" cy="424732"/>
           </a:xfrm>
           <a:prstGeom prst="rect">
@@ -32568,7 +33316,7 @@
         </p:nvSpPr>
         <p:spPr>
           <a:xfrm>
-            <a:off x="4181231" y="2690808"/>
+            <a:off x="2312230" y="2440380"/>
             <a:ext cx="1469313" cy="424732"/>
           </a:xfrm>
           <a:prstGeom prst="rect">
@@ -32620,7 +33368,7 @@
         </p:nvSpPr>
         <p:spPr>
           <a:xfrm>
-            <a:off x="4188771" y="2176896"/>
+            <a:off x="2319770" y="1926468"/>
             <a:ext cx="1469313" cy="424732"/>
           </a:xfrm>
           <a:prstGeom prst="rect">
@@ -32684,7 +33432,7 @@
         </p:nvSpPr>
         <p:spPr>
           <a:xfrm>
-            <a:off x="4185001" y="2176076"/>
+            <a:off x="2316000" y="1925648"/>
             <a:ext cx="1469313" cy="424732"/>
           </a:xfrm>
           <a:prstGeom prst="rect">
@@ -32736,7 +33484,7 @@
         </p:nvSpPr>
         <p:spPr>
           <a:xfrm>
-            <a:off x="4188771" y="1657448"/>
+            <a:off x="2319770" y="1407020"/>
             <a:ext cx="1469313" cy="424732"/>
           </a:xfrm>
           <a:prstGeom prst="rect">
@@ -32800,7 +33548,7 @@
         </p:nvSpPr>
         <p:spPr>
           <a:xfrm>
-            <a:off x="4185001" y="1656628"/>
+            <a:off x="2316000" y="1406200"/>
             <a:ext cx="1469313" cy="424732"/>
           </a:xfrm>
           <a:prstGeom prst="rect">
@@ -32852,7 +33600,7 @@
         </p:nvSpPr>
         <p:spPr>
           <a:xfrm>
-            <a:off x="4005001" y="1044000"/>
+            <a:off x="2136000" y="793572"/>
             <a:ext cx="1826005" cy="2187628"/>
           </a:xfrm>
           <a:prstGeom prst="rect">
@@ -32906,7 +33654,7 @@
         </p:nvSpPr>
         <p:spPr>
           <a:xfrm>
-            <a:off x="4318287" y="1080211"/>
+            <a:off x="2449286" y="829783"/>
             <a:ext cx="1195199" cy="424732"/>
           </a:xfrm>
           <a:prstGeom prst="rect">
@@ -32987,7 +33735,7 @@
         </p:nvSpPr>
         <p:spPr>
           <a:xfrm>
-            <a:off x="2070001" y="905000"/>
+            <a:off x="201000" y="654572"/>
             <a:ext cx="3870000" cy="2479000"/>
           </a:xfrm>
           <a:prstGeom prst="rect">
@@ -33042,7 +33790,7 @@
         </p:nvSpPr>
         <p:spPr>
           <a:xfrm>
-            <a:off x="2304902" y="1080211"/>
+            <a:off x="435901" y="829783"/>
             <a:ext cx="1195199" cy="424732"/>
           </a:xfrm>
           <a:prstGeom prst="rect">
@@ -33127,7 +33875,7 @@
         </p:nvSpPr>
         <p:spPr>
           <a:xfrm>
-            <a:off x="4185001" y="5661628"/>
+            <a:off x="2316000" y="5411200"/>
             <a:ext cx="1469313" cy="424732"/>
           </a:xfrm>
           <a:prstGeom prst="rect">
@@ -33191,7 +33939,7 @@
         </p:nvSpPr>
         <p:spPr>
           <a:xfrm>
-            <a:off x="4181231" y="5660808"/>
+            <a:off x="2312230" y="5410380"/>
             <a:ext cx="1469313" cy="424732"/>
           </a:xfrm>
           <a:prstGeom prst="rect">
@@ -33243,7 +33991,7 @@
         </p:nvSpPr>
         <p:spPr>
           <a:xfrm>
-            <a:off x="4188771" y="5146896"/>
+            <a:off x="2319770" y="4896468"/>
             <a:ext cx="1469313" cy="424732"/>
           </a:xfrm>
           <a:prstGeom prst="rect">
@@ -33307,7 +34055,7 @@
         </p:nvSpPr>
         <p:spPr>
           <a:xfrm>
-            <a:off x="4185001" y="5146076"/>
+            <a:off x="2316000" y="4895648"/>
             <a:ext cx="1469313" cy="424732"/>
           </a:xfrm>
           <a:prstGeom prst="rect">
@@ -33359,7 +34107,7 @@
         </p:nvSpPr>
         <p:spPr>
           <a:xfrm>
-            <a:off x="4188771" y="4627448"/>
+            <a:off x="2319770" y="4377020"/>
             <a:ext cx="1469313" cy="424732"/>
           </a:xfrm>
           <a:prstGeom prst="rect">
@@ -33423,7 +34171,7 @@
         </p:nvSpPr>
         <p:spPr>
           <a:xfrm>
-            <a:off x="4185001" y="4626628"/>
+            <a:off x="2316000" y="4376200"/>
             <a:ext cx="1469313" cy="424732"/>
           </a:xfrm>
           <a:prstGeom prst="rect">
@@ -33475,7 +34223,7 @@
         </p:nvSpPr>
         <p:spPr>
           <a:xfrm>
-            <a:off x="4005001" y="4014000"/>
+            <a:off x="2136000" y="3763572"/>
             <a:ext cx="1826005" cy="2187628"/>
           </a:xfrm>
           <a:prstGeom prst="rect">
@@ -33529,7 +34277,7 @@
         </p:nvSpPr>
         <p:spPr>
           <a:xfrm>
-            <a:off x="4318287" y="4050211"/>
+            <a:off x="2449286" y="3799783"/>
             <a:ext cx="1362245" cy="424732"/>
           </a:xfrm>
           <a:prstGeom prst="rect">
@@ -33610,7 +34358,7 @@
         </p:nvSpPr>
         <p:spPr>
           <a:xfrm>
-            <a:off x="2304902" y="4050211"/>
+            <a:off x="435901" y="3799783"/>
             <a:ext cx="1274391" cy="424732"/>
           </a:xfrm>
           <a:prstGeom prst="rect">
@@ -33695,7 +34443,7 @@
         </p:nvSpPr>
         <p:spPr>
           <a:xfrm>
-            <a:off x="2070001" y="3875000"/>
+            <a:off x="201000" y="3624572"/>
             <a:ext cx="3870000" cy="2479000"/>
           </a:xfrm>
           <a:prstGeom prst="rect">
@@ -33750,7 +34498,7 @@
         </p:nvSpPr>
         <p:spPr>
           <a:xfrm>
-            <a:off x="8055001" y="4410723"/>
+            <a:off x="6186000" y="3678743"/>
             <a:ext cx="1469313" cy="424732"/>
           </a:xfrm>
           <a:prstGeom prst="rect">
@@ -33814,7 +34562,7 @@
         </p:nvSpPr>
         <p:spPr>
           <a:xfrm>
-            <a:off x="8051231" y="4409903"/>
+            <a:off x="6182230" y="3677923"/>
             <a:ext cx="1469313" cy="424732"/>
           </a:xfrm>
           <a:prstGeom prst="rect">
@@ -33866,7 +34614,7 @@
         </p:nvSpPr>
         <p:spPr>
           <a:xfrm>
-            <a:off x="8058771" y="3895991"/>
+            <a:off x="6189770" y="3164011"/>
             <a:ext cx="1469313" cy="424732"/>
           </a:xfrm>
           <a:prstGeom prst="rect">
@@ -33930,7 +34678,7 @@
         </p:nvSpPr>
         <p:spPr>
           <a:xfrm>
-            <a:off x="8055001" y="3895171"/>
+            <a:off x="6186000" y="3163191"/>
             <a:ext cx="1469313" cy="424732"/>
           </a:xfrm>
           <a:prstGeom prst="rect">
@@ -33982,7 +34730,7 @@
         </p:nvSpPr>
         <p:spPr>
           <a:xfrm>
-            <a:off x="8058771" y="3376543"/>
+            <a:off x="6189770" y="2644563"/>
             <a:ext cx="1469313" cy="424732"/>
           </a:xfrm>
           <a:prstGeom prst="rect">
@@ -34046,7 +34794,7 @@
         </p:nvSpPr>
         <p:spPr>
           <a:xfrm>
-            <a:off x="8055001" y="3375723"/>
+            <a:off x="6186000" y="2643743"/>
             <a:ext cx="1469313" cy="424732"/>
           </a:xfrm>
           <a:prstGeom prst="rect">
@@ -34098,7 +34846,7 @@
         </p:nvSpPr>
         <p:spPr>
           <a:xfrm>
-            <a:off x="7875001" y="2763095"/>
+            <a:off x="6006000" y="2031115"/>
             <a:ext cx="1826005" cy="2187628"/>
           </a:xfrm>
           <a:prstGeom prst="rect">
@@ -34152,7 +34900,7 @@
         </p:nvSpPr>
         <p:spPr>
           <a:xfrm>
-            <a:off x="8188287" y="2799306"/>
+            <a:off x="6319286" y="2067326"/>
             <a:ext cx="1339797" cy="424732"/>
           </a:xfrm>
           <a:prstGeom prst="rect">
@@ -34233,7 +34981,7 @@
         </p:nvSpPr>
         <p:spPr>
           <a:xfrm>
-            <a:off x="7189533" y="1854000"/>
+            <a:off x="5320532" y="1122020"/>
             <a:ext cx="3250467" cy="3600000"/>
           </a:xfrm>
           <a:prstGeom prst="rect">
@@ -34288,7 +35036,7 @@
         </p:nvSpPr>
         <p:spPr>
           <a:xfrm>
-            <a:off x="8217166" y="1906317"/>
+            <a:off x="6348165" y="1174337"/>
             <a:ext cx="1195199" cy="424732"/>
           </a:xfrm>
           <a:prstGeom prst="rect">
@@ -34355,7 +35103,7 @@
         </p:nvCxnSpPr>
         <p:spPr>
           <a:xfrm>
-            <a:off x="4918004" y="3231628"/>
+            <a:off x="3049003" y="2981200"/>
             <a:ext cx="0" cy="782372"/>
           </a:xfrm>
           <a:prstGeom prst="line">
@@ -34396,7 +35144,7 @@
         </p:nvCxnSpPr>
         <p:spPr>
           <a:xfrm>
-            <a:off x="5831006" y="3024000"/>
+            <a:off x="3962005" y="2292020"/>
             <a:ext cx="2043995" cy="0"/>
           </a:xfrm>
           <a:prstGeom prst="line">
@@ -34437,7 +35185,7 @@
         </p:nvCxnSpPr>
         <p:spPr>
           <a:xfrm flipH="1">
-            <a:off x="5831006" y="4626628"/>
+            <a:off x="3962005" y="3894648"/>
             <a:ext cx="2043995" cy="0"/>
           </a:xfrm>
           <a:prstGeom prst="line">
@@ -34464,6 +35212,363 @@
           </a:fontRef>
         </p:style>
       </p:cxnSp>
+      <p:sp>
+        <p:nvSpPr>
+          <p:cNvPr id="2" name="Textfeld 1">
+            <a:extLst>
+              <a:ext uri="{FF2B5EF4-FFF2-40B4-BE49-F238E27FC236}">
+                <a16:creationId xmlns:a16="http://schemas.microsoft.com/office/drawing/2014/main" id="{027D5085-6E38-449D-9718-285761DA244A}"/>
+              </a:ext>
+            </a:extLst>
+          </p:cNvPr>
+          <p:cNvSpPr txBox="1"/>
+          <p:nvPr/>
+        </p:nvSpPr>
+        <p:spPr>
+          <a:xfrm>
+            <a:off x="4078652" y="5623441"/>
+            <a:ext cx="6465231" cy="480131"/>
+          </a:xfrm>
+          <a:prstGeom prst="rect">
+            <a:avLst/>
+          </a:prstGeom>
+          <a:noFill/>
+        </p:spPr>
+        <p:txBody>
+          <a:bodyPr wrap="none" rtlCol="0">
+            <a:spAutoFit/>
+          </a:bodyPr>
+          <a:lstStyle/>
+          <a:p>
+            <a:pPr marL="0" marR="0" indent="0" algn="l" defTabSz="914400" rtl="0" eaLnBrk="1" fontAlgn="auto" latinLnBrk="0" hangingPunct="1">
+              <a:lnSpc>
+                <a:spcPct val="90000"/>
+              </a:lnSpc>
+              <a:spcBef>
+                <a:spcPts val="1000"/>
+              </a:spcBef>
+              <a:spcAft>
+                <a:spcPts val="0"/>
+              </a:spcAft>
+              <a:buClrTx/>
+              <a:buSzTx/>
+              <a:buFont typeface="Arial" panose="020B0604020202020204" pitchFamily="34" charset="0"/>
+              <a:buNone/>
+              <a:tabLst/>
+            </a:pPr>
+            <a:r>
+              <a:rPr kumimoji="0" lang="de-DE" sz="2800" b="0" i="0" u="none" strike="noStrike" kern="1200" cap="none" spc="0" normalizeH="0" baseline="0" noProof="0" dirty="0">
+                <a:ln>
+                  <a:noFill/>
+                </a:ln>
+                <a:solidFill>
+                  <a:schemeClr val="accent1">
+                    <a:lumMod val="50000"/>
+                  </a:schemeClr>
+                </a:solidFill>
+                <a:effectLst/>
+                <a:uLnTx/>
+                <a:uFillTx/>
+                <a:latin typeface="Arial"/>
+                <a:ea typeface="+mn-ea"/>
+                <a:cs typeface="Arial"/>
+              </a:rPr>
+              <a:t>$ </a:t>
+            </a:r>
+            <a:r>
+              <a:rPr kumimoji="0" lang="de-DE" sz="2800" b="0" i="0" u="none" strike="noStrike" kern="1200" cap="none" spc="0" normalizeH="0" baseline="0" noProof="0" dirty="0" err="1">
+                <a:ln>
+                  <a:noFill/>
+                </a:ln>
+                <a:solidFill>
+                  <a:schemeClr val="accent1">
+                    <a:lumMod val="50000"/>
+                  </a:schemeClr>
+                </a:solidFill>
+                <a:effectLst/>
+                <a:uLnTx/>
+                <a:uFillTx/>
+                <a:latin typeface="Arial"/>
+                <a:ea typeface="+mn-ea"/>
+                <a:cs typeface="Arial"/>
+              </a:rPr>
+              <a:t>git</a:t>
+            </a:r>
+            <a:r>
+              <a:rPr kumimoji="0" lang="de-DE" sz="2800" b="0" i="0" u="none" strike="noStrike" kern="1200" cap="none" spc="0" normalizeH="0" baseline="0" noProof="0" dirty="0">
+                <a:ln>
+                  <a:noFill/>
+                </a:ln>
+                <a:solidFill>
+                  <a:schemeClr val="accent1">
+                    <a:lumMod val="50000"/>
+                  </a:schemeClr>
+                </a:solidFill>
+                <a:effectLst/>
+                <a:uLnTx/>
+                <a:uFillTx/>
+                <a:latin typeface="Arial"/>
+                <a:ea typeface="+mn-ea"/>
+                <a:cs typeface="Arial"/>
+              </a:rPr>
+              <a:t> remote </a:t>
+            </a:r>
+            <a:r>
+              <a:rPr kumimoji="0" lang="de-DE" sz="2800" b="0" i="0" u="none" strike="noStrike" kern="1200" cap="none" spc="0" normalizeH="0" baseline="0" noProof="0" dirty="0" err="1">
+                <a:ln>
+                  <a:noFill/>
+                </a:ln>
+                <a:solidFill>
+                  <a:schemeClr val="accent1">
+                    <a:lumMod val="50000"/>
+                  </a:schemeClr>
+                </a:solidFill>
+                <a:effectLst/>
+                <a:uLnTx/>
+                <a:uFillTx/>
+                <a:latin typeface="Arial"/>
+                <a:ea typeface="+mn-ea"/>
+                <a:cs typeface="Arial"/>
+              </a:rPr>
+              <a:t>add</a:t>
+            </a:r>
+            <a:r>
+              <a:rPr kumimoji="0" lang="de-DE" sz="2800" b="0" i="0" u="none" strike="noStrike" kern="1200" cap="none" spc="0" normalizeH="0" baseline="0" noProof="0" dirty="0">
+                <a:ln>
+                  <a:noFill/>
+                </a:ln>
+                <a:solidFill>
+                  <a:schemeClr val="accent1">
+                    <a:lumMod val="50000"/>
+                  </a:schemeClr>
+                </a:solidFill>
+                <a:effectLst/>
+                <a:uLnTx/>
+                <a:uFillTx/>
+                <a:latin typeface="Arial"/>
+                <a:ea typeface="+mn-ea"/>
+                <a:cs typeface="Arial"/>
+              </a:rPr>
+              <a:t> &lt;</a:t>
+            </a:r>
+            <a:r>
+              <a:rPr kumimoji="0" lang="de-DE" sz="2800" b="0" i="0" u="none" strike="noStrike" kern="1200" cap="none" spc="0" normalizeH="0" baseline="0" noProof="0" dirty="0" err="1">
+                <a:ln>
+                  <a:noFill/>
+                </a:ln>
+                <a:solidFill>
+                  <a:schemeClr val="accent1">
+                    <a:lumMod val="50000"/>
+                  </a:schemeClr>
+                </a:solidFill>
+                <a:effectLst/>
+                <a:uLnTx/>
+                <a:uFillTx/>
+                <a:latin typeface="Arial"/>
+                <a:ea typeface="+mn-ea"/>
+                <a:cs typeface="Arial"/>
+              </a:rPr>
+              <a:t>name</a:t>
+            </a:r>
+            <a:r>
+              <a:rPr kumimoji="0" lang="de-DE" sz="2800" b="0" i="0" u="none" strike="noStrike" kern="1200" cap="none" spc="0" normalizeH="0" baseline="0" noProof="0" dirty="0">
+                <a:ln>
+                  <a:noFill/>
+                </a:ln>
+                <a:solidFill>
+                  <a:schemeClr val="accent1">
+                    <a:lumMod val="50000"/>
+                  </a:schemeClr>
+                </a:solidFill>
+                <a:effectLst/>
+                <a:uLnTx/>
+                <a:uFillTx/>
+                <a:latin typeface="Arial"/>
+                <a:ea typeface="+mn-ea"/>
+                <a:cs typeface="Arial"/>
+              </a:rPr>
+              <a:t>&gt; &lt;</a:t>
+            </a:r>
+            <a:r>
+              <a:rPr kumimoji="0" lang="de-DE" sz="2800" b="0" i="0" u="none" strike="noStrike" kern="1200" cap="none" spc="0" normalizeH="0" baseline="0" noProof="0" dirty="0" err="1">
+                <a:ln>
+                  <a:noFill/>
+                </a:ln>
+                <a:solidFill>
+                  <a:schemeClr val="accent1">
+                    <a:lumMod val="50000"/>
+                  </a:schemeClr>
+                </a:solidFill>
+                <a:effectLst/>
+                <a:uLnTx/>
+                <a:uFillTx/>
+                <a:latin typeface="Arial"/>
+                <a:ea typeface="+mn-ea"/>
+                <a:cs typeface="Arial"/>
+              </a:rPr>
+              <a:t>destination</a:t>
+            </a:r>
+            <a:r>
+              <a:rPr kumimoji="0" lang="de-DE" sz="2800" b="0" i="0" u="none" strike="noStrike" kern="1200" cap="none" spc="0" normalizeH="0" baseline="0" noProof="0" dirty="0">
+                <a:ln>
+                  <a:noFill/>
+                </a:ln>
+                <a:solidFill>
+                  <a:schemeClr val="accent1">
+                    <a:lumMod val="50000"/>
+                  </a:schemeClr>
+                </a:solidFill>
+                <a:effectLst/>
+                <a:uLnTx/>
+                <a:uFillTx/>
+                <a:latin typeface="Arial"/>
+                <a:ea typeface="+mn-ea"/>
+                <a:cs typeface="Arial"/>
+              </a:rPr>
+              <a:t>&gt;</a:t>
+            </a:r>
+          </a:p>
+        </p:txBody>
+      </p:sp>
+      <p:sp>
+        <p:nvSpPr>
+          <p:cNvPr id="39" name="Textfeld 38">
+            <a:extLst>
+              <a:ext uri="{FF2B5EF4-FFF2-40B4-BE49-F238E27FC236}">
+                <a16:creationId xmlns:a16="http://schemas.microsoft.com/office/drawing/2014/main" id="{B02B167D-2DE6-450A-8ACC-AF2D05A3F6AB}"/>
+              </a:ext>
+            </a:extLst>
+          </p:cNvPr>
+          <p:cNvSpPr txBox="1"/>
+          <p:nvPr/>
+        </p:nvSpPr>
+        <p:spPr>
+          <a:xfrm>
+            <a:off x="4071000" y="5049000"/>
+            <a:ext cx="1423788" cy="480131"/>
+          </a:xfrm>
+          <a:prstGeom prst="rect">
+            <a:avLst/>
+          </a:prstGeom>
+          <a:noFill/>
+        </p:spPr>
+        <p:txBody>
+          <a:bodyPr wrap="none" rtlCol="0">
+            <a:spAutoFit/>
+          </a:bodyPr>
+          <a:lstStyle/>
+          <a:p>
+            <a:pPr marL="0" marR="0" indent="0" algn="l" defTabSz="914400" rtl="0" eaLnBrk="1" fontAlgn="auto" latinLnBrk="0" hangingPunct="1">
+              <a:lnSpc>
+                <a:spcPct val="90000"/>
+              </a:lnSpc>
+              <a:spcBef>
+                <a:spcPts val="1000"/>
+              </a:spcBef>
+              <a:spcAft>
+                <a:spcPts val="0"/>
+              </a:spcAft>
+              <a:buClrTx/>
+              <a:buSzTx/>
+              <a:buFont typeface="Arial" panose="020B0604020202020204" pitchFamily="34" charset="0"/>
+              <a:buNone/>
+              <a:tabLst/>
+            </a:pPr>
+            <a:r>
+              <a:rPr kumimoji="0" lang="de-DE" sz="2800" b="0" i="0" u="none" strike="noStrike" kern="1200" cap="none" spc="0" normalizeH="0" baseline="0" noProof="0" dirty="0">
+                <a:ln>
+                  <a:noFill/>
+                </a:ln>
+                <a:solidFill>
+                  <a:schemeClr val="accent1">
+                    <a:lumMod val="50000"/>
+                  </a:schemeClr>
+                </a:solidFill>
+                <a:effectLst/>
+                <a:uLnTx/>
+                <a:uFillTx/>
+                <a:latin typeface="Arial"/>
+                <a:ea typeface="+mn-ea"/>
+                <a:cs typeface="Arial"/>
+              </a:rPr>
+              <a:t>$ </a:t>
+            </a:r>
+            <a:r>
+              <a:rPr kumimoji="0" lang="de-DE" sz="2800" b="0" i="0" u="none" strike="noStrike" kern="1200" cap="none" spc="0" normalizeH="0" baseline="0" noProof="0" dirty="0" err="1">
+                <a:ln>
+                  <a:noFill/>
+                </a:ln>
+                <a:solidFill>
+                  <a:schemeClr val="accent1">
+                    <a:lumMod val="50000"/>
+                  </a:schemeClr>
+                </a:solidFill>
+                <a:effectLst/>
+                <a:uLnTx/>
+                <a:uFillTx/>
+                <a:latin typeface="Arial"/>
+                <a:ea typeface="+mn-ea"/>
+                <a:cs typeface="Arial"/>
+              </a:rPr>
+              <a:t>git</a:t>
+            </a:r>
+            <a:r>
+              <a:rPr kumimoji="0" lang="de-DE" sz="2800" b="0" i="0" u="none" strike="noStrike" kern="1200" cap="none" spc="0" normalizeH="0" baseline="0" noProof="0" dirty="0">
+                <a:ln>
+                  <a:noFill/>
+                </a:ln>
+                <a:solidFill>
+                  <a:schemeClr val="accent1">
+                    <a:lumMod val="50000"/>
+                  </a:schemeClr>
+                </a:solidFill>
+                <a:effectLst/>
+                <a:uLnTx/>
+                <a:uFillTx/>
+                <a:latin typeface="Arial"/>
+                <a:ea typeface="+mn-ea"/>
+                <a:cs typeface="Arial"/>
+              </a:rPr>
+              <a:t> </a:t>
+            </a:r>
+            <a:r>
+              <a:rPr kumimoji="0" lang="de-DE" sz="2800" b="0" i="0" u="none" strike="noStrike" kern="1200" cap="none" spc="0" normalizeH="0" baseline="0" noProof="0" dirty="0" err="1">
+                <a:ln>
+                  <a:noFill/>
+                </a:ln>
+                <a:solidFill>
+                  <a:schemeClr val="accent1">
+                    <a:lumMod val="50000"/>
+                  </a:schemeClr>
+                </a:solidFill>
+                <a:effectLst/>
+                <a:uLnTx/>
+                <a:uFillTx/>
+                <a:latin typeface="Arial"/>
+                <a:ea typeface="+mn-ea"/>
+                <a:cs typeface="Arial"/>
+              </a:rPr>
+              <a:t>init</a:t>
+            </a:r>
+            <a:endParaRPr kumimoji="0" lang="de-DE" sz="2800" b="0" i="0" u="none" strike="noStrike" kern="1200" cap="none" spc="0" normalizeH="0" baseline="0" noProof="0" dirty="0">
+              <a:ln>
+                <a:noFill/>
+              </a:ln>
+              <a:solidFill>
+                <a:schemeClr val="accent1">
+                  <a:lumMod val="50000"/>
+                </a:schemeClr>
+              </a:solidFill>
+              <a:effectLst/>
+              <a:uLnTx/>
+              <a:uFillTx/>
+              <a:latin typeface="Arial"/>
+              <a:ea typeface="+mn-ea"/>
+              <a:cs typeface="Arial"/>
+            </a:endParaRPr>
+          </a:p>
+        </p:txBody>
+      </p:sp>
     </p:spTree>
     <p:extLst>
       <p:ext uri="{BB962C8B-B14F-4D97-AF65-F5344CB8AC3E}">
@@ -35900,8 +37005,8 @@
         </p:nvSpPr>
         <p:spPr>
           <a:xfrm>
-            <a:off x="1696516" y="4849268"/>
-            <a:ext cx="4616970" cy="424732"/>
+            <a:off x="1636302" y="4793869"/>
+            <a:ext cx="5363969" cy="480131"/>
           </a:xfrm>
           <a:prstGeom prst="rect">
             <a:avLst/>
@@ -35931,12 +37036,14 @@
               <a:tabLst/>
             </a:pPr>
             <a:r>
-              <a:rPr kumimoji="0" lang="de-DE" sz="2400" b="0" i="0" u="none" strike="noStrike" kern="1200" cap="none" spc="0" normalizeH="0" baseline="0" noProof="0" dirty="0">
+              <a:rPr kumimoji="0" lang="de-DE" sz="2800" b="0" i="0" u="none" strike="noStrike" kern="1200" cap="none" spc="0" normalizeH="0" baseline="0" noProof="0" dirty="0">
                 <a:ln>
                   <a:noFill/>
                 </a:ln>
                 <a:solidFill>
-                  <a:srgbClr val="236192"/>
+                  <a:schemeClr val="accent1">
+                    <a:lumMod val="50000"/>
+                  </a:schemeClr>
                 </a:solidFill>
                 <a:effectLst/>
                 <a:uLnTx/>
@@ -35948,12 +37055,14 @@
               <a:t>$ </a:t>
             </a:r>
             <a:r>
-              <a:rPr kumimoji="0" lang="de-DE" sz="2400" b="0" i="0" u="none" strike="noStrike" kern="1200" cap="none" spc="0" normalizeH="0" baseline="0" noProof="0" dirty="0" err="1">
+              <a:rPr kumimoji="0" lang="de-DE" sz="2800" b="0" i="0" u="none" strike="noStrike" kern="1200" cap="none" spc="0" normalizeH="0" baseline="0" noProof="0" dirty="0" err="1">
                 <a:ln>
                   <a:noFill/>
                 </a:ln>
                 <a:solidFill>
-                  <a:srgbClr val="236192"/>
+                  <a:schemeClr val="accent1">
+                    <a:lumMod val="50000"/>
+                  </a:schemeClr>
                 </a:solidFill>
                 <a:effectLst/>
                 <a:uLnTx/>
@@ -35965,12 +37074,14 @@
               <a:t>git</a:t>
             </a:r>
             <a:r>
-              <a:rPr kumimoji="0" lang="de-DE" sz="2400" b="0" i="0" u="none" strike="noStrike" kern="1200" cap="none" spc="0" normalizeH="0" baseline="0" noProof="0" dirty="0">
+              <a:rPr kumimoji="0" lang="de-DE" sz="2800" b="0" i="0" u="none" strike="noStrike" kern="1200" cap="none" spc="0" normalizeH="0" baseline="0" noProof="0" dirty="0">
                 <a:ln>
                   <a:noFill/>
                 </a:ln>
                 <a:solidFill>
-                  <a:srgbClr val="236192"/>
+                  <a:schemeClr val="accent1">
+                    <a:lumMod val="50000"/>
+                  </a:schemeClr>
                 </a:solidFill>
                 <a:effectLst/>
                 <a:uLnTx/>
@@ -35982,12 +37093,14 @@
               <a:t> </a:t>
             </a:r>
             <a:r>
-              <a:rPr kumimoji="0" lang="de-DE" sz="2400" b="0" i="0" u="none" strike="noStrike" kern="1200" cap="none" spc="0" normalizeH="0" baseline="0" noProof="0" dirty="0" err="1">
+              <a:rPr kumimoji="0" lang="de-DE" sz="2800" b="0" i="0" u="none" strike="noStrike" kern="1200" cap="none" spc="0" normalizeH="0" baseline="0" noProof="0" dirty="0" err="1">
                 <a:ln>
                   <a:noFill/>
                 </a:ln>
                 <a:solidFill>
-                  <a:srgbClr val="236192"/>
+                  <a:schemeClr val="accent1">
+                    <a:lumMod val="50000"/>
+                  </a:schemeClr>
                 </a:solidFill>
                 <a:effectLst/>
                 <a:uLnTx/>
@@ -35999,12 +37112,14 @@
               <a:t>clone</a:t>
             </a:r>
             <a:r>
-              <a:rPr kumimoji="0" lang="de-DE" sz="2400" b="0" i="0" u="none" strike="noStrike" kern="1200" cap="none" spc="0" normalizeH="0" baseline="0" noProof="0" dirty="0">
+              <a:rPr kumimoji="0" lang="de-DE" sz="2800" b="0" i="0" u="none" strike="noStrike" kern="1200" cap="none" spc="0" normalizeH="0" baseline="0" noProof="0" dirty="0">
                 <a:ln>
                   <a:noFill/>
                 </a:ln>
                 <a:solidFill>
-                  <a:srgbClr val="236192"/>
+                  <a:schemeClr val="accent1">
+                    <a:lumMod val="50000"/>
+                  </a:schemeClr>
                 </a:solidFill>
                 <a:effectLst/>
                 <a:uLnTx/>
@@ -36016,12 +37131,14 @@
               <a:t> &lt;remote&gt; &lt;</a:t>
             </a:r>
             <a:r>
-              <a:rPr kumimoji="0" lang="de-DE" sz="2400" b="0" i="0" u="none" strike="noStrike" kern="1200" cap="none" spc="0" normalizeH="0" baseline="0" noProof="0" dirty="0" err="1">
+              <a:rPr kumimoji="0" lang="de-DE" sz="2800" b="0" i="0" u="none" strike="noStrike" kern="1200" cap="none" spc="0" normalizeH="0" baseline="0" noProof="0" dirty="0" err="1">
                 <a:ln>
                   <a:noFill/>
                 </a:ln>
                 <a:solidFill>
-                  <a:srgbClr val="236192"/>
+                  <a:schemeClr val="accent1">
+                    <a:lumMod val="50000"/>
+                  </a:schemeClr>
                 </a:solidFill>
                 <a:effectLst/>
                 <a:uLnTx/>
@@ -36033,12 +37150,14 @@
               <a:t>directory</a:t>
             </a:r>
             <a:r>
-              <a:rPr kumimoji="0" lang="de-DE" sz="2400" b="0" i="0" u="none" strike="noStrike" kern="1200" cap="none" spc="0" normalizeH="0" baseline="0" noProof="0" dirty="0">
+              <a:rPr kumimoji="0" lang="de-DE" sz="2800" b="0" i="0" u="none" strike="noStrike" kern="1200" cap="none" spc="0" normalizeH="0" baseline="0" noProof="0" dirty="0">
                 <a:ln>
                   <a:noFill/>
                 </a:ln>
                 <a:solidFill>
-                  <a:srgbClr val="236192"/>
+                  <a:schemeClr val="accent1">
+                    <a:lumMod val="50000"/>
+                  </a:schemeClr>
                 </a:solidFill>
                 <a:effectLst/>
                 <a:uLnTx/>
@@ -36205,7 +37324,7 @@
         </p:nvSpPr>
         <p:spPr>
           <a:xfrm>
-            <a:off x="827251" y="2394000"/>
+            <a:off x="827251" y="3926232"/>
             <a:ext cx="10537500" cy="1678408"/>
           </a:xfrm>
           <a:prstGeom prst="rect">
@@ -36482,6 +37601,312 @@
               <a:latin typeface="Arial"/>
               <a:ea typeface="+mn-ea"/>
               <a:cs typeface="Arial"/>
+            </a:endParaRPr>
+          </a:p>
+        </p:txBody>
+      </p:sp>
+      <p:sp>
+        <p:nvSpPr>
+          <p:cNvPr id="8" name="Textfeld 7">
+            <a:extLst>
+              <a:ext uri="{FF2B5EF4-FFF2-40B4-BE49-F238E27FC236}">
+                <a16:creationId xmlns:a16="http://schemas.microsoft.com/office/drawing/2014/main" id="{EB2F42C9-5634-4228-9766-C5533D1E68D1}"/>
+              </a:ext>
+            </a:extLst>
+          </p:cNvPr>
+          <p:cNvSpPr txBox="1"/>
+          <p:nvPr/>
+        </p:nvSpPr>
+        <p:spPr>
+          <a:xfrm>
+            <a:off x="5462041" y="999000"/>
+            <a:ext cx="1279517" cy="535531"/>
+          </a:xfrm>
+          <a:prstGeom prst="rect">
+            <a:avLst/>
+          </a:prstGeom>
+          <a:noFill/>
+        </p:spPr>
+        <p:txBody>
+          <a:bodyPr wrap="none" rtlCol="0">
+            <a:spAutoFit/>
+          </a:bodyPr>
+          <a:lstStyle/>
+          <a:p>
+            <a:pPr marL="0" marR="0" indent="0" algn="l" defTabSz="914400" rtl="0" eaLnBrk="1" fontAlgn="auto" latinLnBrk="0" hangingPunct="1">
+              <a:lnSpc>
+                <a:spcPct val="90000"/>
+              </a:lnSpc>
+              <a:spcBef>
+                <a:spcPts val="1000"/>
+              </a:spcBef>
+              <a:spcAft>
+                <a:spcPts val="0"/>
+              </a:spcAft>
+              <a:buClrTx/>
+              <a:buSzTx/>
+              <a:buFont typeface="Arial" panose="020B0604020202020204" pitchFamily="34" charset="0"/>
+              <a:buNone/>
+              <a:tabLst/>
+            </a:pPr>
+            <a:r>
+              <a:rPr kumimoji="0" lang="de-DE" sz="3200" b="0" i="0" u="none" strike="noStrike" kern="1200" cap="none" spc="0" normalizeH="0" baseline="0" noProof="0" dirty="0">
+                <a:ln>
+                  <a:noFill/>
+                </a:ln>
+                <a:solidFill>
+                  <a:srgbClr val="AB2328"/>
+                </a:solidFill>
+                <a:effectLst/>
+                <a:uLnTx/>
+                <a:uFillTx/>
+                <a:latin typeface="Arial"/>
+                <a:ea typeface="+mn-ea"/>
+                <a:cs typeface="Arial"/>
+              </a:rPr>
+              <a:t>TREE</a:t>
+            </a:r>
+          </a:p>
+        </p:txBody>
+      </p:sp>
+      <p:sp>
+        <p:nvSpPr>
+          <p:cNvPr id="9" name="Textfeld 8">
+            <a:extLst>
+              <a:ext uri="{FF2B5EF4-FFF2-40B4-BE49-F238E27FC236}">
+                <a16:creationId xmlns:a16="http://schemas.microsoft.com/office/drawing/2014/main" id="{0FBA09D7-C54E-4682-8446-BD74222615F3}"/>
+              </a:ext>
+            </a:extLst>
+          </p:cNvPr>
+          <p:cNvSpPr txBox="1"/>
+          <p:nvPr/>
+        </p:nvSpPr>
+        <p:spPr>
+          <a:xfrm>
+            <a:off x="3640585" y="2529696"/>
+            <a:ext cx="4910832" cy="480131"/>
+          </a:xfrm>
+          <a:prstGeom prst="rect">
+            <a:avLst/>
+          </a:prstGeom>
+          <a:noFill/>
+        </p:spPr>
+        <p:txBody>
+          <a:bodyPr wrap="none" rtlCol="0">
+            <a:spAutoFit/>
+          </a:bodyPr>
+          <a:lstStyle/>
+          <a:p>
+            <a:pPr marL="0" marR="0" indent="0" algn="l" defTabSz="914400" rtl="0" eaLnBrk="1" fontAlgn="auto" latinLnBrk="0" hangingPunct="1">
+              <a:lnSpc>
+                <a:spcPct val="90000"/>
+              </a:lnSpc>
+              <a:spcBef>
+                <a:spcPts val="1000"/>
+              </a:spcBef>
+              <a:spcAft>
+                <a:spcPts val="0"/>
+              </a:spcAft>
+              <a:buClrTx/>
+              <a:buSzTx/>
+              <a:buFont typeface="Arial" panose="020B0604020202020204" pitchFamily="34" charset="0"/>
+              <a:buNone/>
+              <a:tabLst/>
+            </a:pPr>
+            <a:r>
+              <a:rPr lang="de-DE" sz="2800" dirty="0">
+                <a:solidFill>
+                  <a:srgbClr val="AB2328"/>
+                </a:solidFill>
+                <a:latin typeface="Arial"/>
+                <a:cs typeface="Arial"/>
+              </a:rPr>
+              <a:t>COMMIT</a:t>
+            </a:r>
+            <a:r>
+              <a:rPr kumimoji="0" lang="de-DE" sz="2800" b="0" i="0" u="none" strike="noStrike" kern="1200" cap="none" spc="0" normalizeH="0" baseline="0" noProof="0" dirty="0">
+                <a:ln>
+                  <a:noFill/>
+                </a:ln>
+                <a:solidFill>
+                  <a:srgbClr val="AB2328"/>
+                </a:solidFill>
+                <a:effectLst/>
+                <a:uLnTx/>
+                <a:uFillTx/>
+                <a:latin typeface="Arial"/>
+                <a:ea typeface="+mn-ea"/>
+                <a:cs typeface="Arial"/>
+              </a:rPr>
+              <a:t>                     STAGE</a:t>
+            </a:r>
+          </a:p>
+        </p:txBody>
+      </p:sp>
+      <p:sp>
+        <p:nvSpPr>
+          <p:cNvPr id="11" name="Pfeil: gebogen 10">
+            <a:extLst>
+              <a:ext uri="{FF2B5EF4-FFF2-40B4-BE49-F238E27FC236}">
+                <a16:creationId xmlns:a16="http://schemas.microsoft.com/office/drawing/2014/main" id="{E8A6A4A4-8F4F-402D-8506-D7B77A780980}"/>
+              </a:ext>
+            </a:extLst>
+          </p:cNvPr>
+          <p:cNvSpPr/>
+          <p:nvPr/>
+        </p:nvSpPr>
+        <p:spPr>
+          <a:xfrm>
+            <a:off x="4341000" y="1124992"/>
+            <a:ext cx="900000" cy="990000"/>
+          </a:xfrm>
+          <a:prstGeom prst="bentArrow">
+            <a:avLst/>
+          </a:prstGeom>
+          <a:solidFill>
+            <a:srgbClr val="236192"/>
+          </a:solidFill>
+          <a:ln>
+            <a:noFill/>
+          </a:ln>
+        </p:spPr>
+        <p:style>
+          <a:lnRef idx="2">
+            <a:schemeClr val="accent1">
+              <a:shade val="50000"/>
+            </a:schemeClr>
+          </a:lnRef>
+          <a:fillRef idx="1">
+            <a:schemeClr val="accent1"/>
+          </a:fillRef>
+          <a:effectRef idx="0">
+            <a:schemeClr val="accent1"/>
+          </a:effectRef>
+          <a:fontRef idx="minor">
+            <a:schemeClr val="lt1"/>
+          </a:fontRef>
+        </p:style>
+        <p:txBody>
+          <a:bodyPr rtlCol="0" anchor="ctr"/>
+          <a:lstStyle/>
+          <a:p>
+            <a:pPr algn="ctr"/>
+            <a:endParaRPr lang="de-DE">
+              <a:solidFill>
+                <a:schemeClr val="tx1"/>
+              </a:solidFill>
+            </a:endParaRPr>
+          </a:p>
+        </p:txBody>
+      </p:sp>
+      <p:sp>
+        <p:nvSpPr>
+          <p:cNvPr id="13" name="Pfeil: gebogen 12">
+            <a:extLst>
+              <a:ext uri="{FF2B5EF4-FFF2-40B4-BE49-F238E27FC236}">
+                <a16:creationId xmlns:a16="http://schemas.microsoft.com/office/drawing/2014/main" id="{19780C04-F950-49F8-A760-DE4B7117A1F3}"/>
+              </a:ext>
+            </a:extLst>
+          </p:cNvPr>
+          <p:cNvSpPr/>
+          <p:nvPr/>
+        </p:nvSpPr>
+        <p:spPr>
+          <a:xfrm rot="5400000">
+            <a:off x="7000110" y="1124992"/>
+            <a:ext cx="900000" cy="990000"/>
+          </a:xfrm>
+          <a:prstGeom prst="bentArrow">
+            <a:avLst/>
+          </a:prstGeom>
+          <a:solidFill>
+            <a:srgbClr val="236192"/>
+          </a:solidFill>
+          <a:ln>
+            <a:noFill/>
+          </a:ln>
+        </p:spPr>
+        <p:style>
+          <a:lnRef idx="2">
+            <a:schemeClr val="accent1">
+              <a:shade val="50000"/>
+            </a:schemeClr>
+          </a:lnRef>
+          <a:fillRef idx="1">
+            <a:schemeClr val="accent1"/>
+          </a:fillRef>
+          <a:effectRef idx="0">
+            <a:schemeClr val="accent1"/>
+          </a:effectRef>
+          <a:fontRef idx="minor">
+            <a:schemeClr val="lt1"/>
+          </a:fontRef>
+        </p:style>
+        <p:txBody>
+          <a:bodyPr rtlCol="0" anchor="ctr"/>
+          <a:lstStyle/>
+          <a:p>
+            <a:pPr algn="ctr"/>
+            <a:endParaRPr lang="de-DE">
+              <a:solidFill>
+                <a:schemeClr val="tx1"/>
+              </a:solidFill>
+            </a:endParaRPr>
+          </a:p>
+        </p:txBody>
+      </p:sp>
+      <p:sp>
+        <p:nvSpPr>
+          <p:cNvPr id="14" name="Pfeil: gebogen 13">
+            <a:extLst>
+              <a:ext uri="{FF2B5EF4-FFF2-40B4-BE49-F238E27FC236}">
+                <a16:creationId xmlns:a16="http://schemas.microsoft.com/office/drawing/2014/main" id="{706B6693-19F3-4860-B636-AF17CAA26643}"/>
+              </a:ext>
+            </a:extLst>
+          </p:cNvPr>
+          <p:cNvSpPr/>
+          <p:nvPr/>
+        </p:nvSpPr>
+        <p:spPr>
+          <a:xfrm rot="13726509">
+            <a:off x="5646001" y="2786863"/>
+            <a:ext cx="900000" cy="990000"/>
+          </a:xfrm>
+          <a:prstGeom prst="bentArrow">
+            <a:avLst/>
+          </a:prstGeom>
+          <a:solidFill>
+            <a:srgbClr val="236192"/>
+          </a:solidFill>
+          <a:ln>
+            <a:noFill/>
+          </a:ln>
+        </p:spPr>
+        <p:style>
+          <a:lnRef idx="2">
+            <a:schemeClr val="accent1">
+              <a:shade val="50000"/>
+            </a:schemeClr>
+          </a:lnRef>
+          <a:fillRef idx="1">
+            <a:schemeClr val="accent1"/>
+          </a:fillRef>
+          <a:effectRef idx="0">
+            <a:schemeClr val="accent1"/>
+          </a:effectRef>
+          <a:fontRef idx="minor">
+            <a:schemeClr val="lt1"/>
+          </a:fontRef>
+        </p:style>
+        <p:txBody>
+          <a:bodyPr rtlCol="0" anchor="ctr"/>
+          <a:lstStyle/>
+          <a:p>
+            <a:pPr algn="ctr"/>
+            <a:endParaRPr lang="de-DE">
+              <a:solidFill>
+                <a:schemeClr val="tx1"/>
+              </a:solidFill>
             </a:endParaRPr>
           </a:p>
         </p:txBody>
@@ -37356,12 +38781,9 @@
 </file>
 
 <file path=customXml/item1.xml><?xml version="1.0" encoding="utf-8"?>
-<?mso-contentType ?>
-<FormTemplates xmlns="http://schemas.microsoft.com/sharepoint/v3/contenttype/forms">
-  <Display>DocumentLibraryForm</Display>
-  <Edit>DocumentLibraryForm</Edit>
-  <New>DocumentLibraryForm</New>
-</FormTemplates>
+<p:properties xmlns:p="http://schemas.microsoft.com/office/2006/metadata/properties" xmlns:xsi="http://www.w3.org/2001/XMLSchema-instance">
+  <documentManagement/>
+</p:properties>
 </file>
 
 <file path=customXml/item2.xml><?xml version="1.0" encoding="utf-8"?>
@@ -37414,15 +38836,24 @@
 </file>
 
 <file path=customXml/item3.xml><?xml version="1.0" encoding="utf-8"?>
-<p:properties xmlns:p="http://schemas.microsoft.com/office/2006/metadata/properties" xmlns:xsi="http://www.w3.org/2001/XMLSchema-instance">
-  <documentManagement/>
-</p:properties>
+<?mso-contentType ?>
+<FormTemplates xmlns="http://schemas.microsoft.com/sharepoint/v3/contenttype/forms">
+  <Display>DocumentLibraryForm</Display>
+  <Edit>DocumentLibraryForm</Edit>
+  <New>DocumentLibraryForm</New>
+</FormTemplates>
 </file>
 
 <file path=customXml/itemProps1.xml><?xml version="1.0" encoding="utf-8"?>
-<ds:datastoreItem xmlns:ds="http://schemas.openxmlformats.org/officeDocument/2006/customXml" ds:itemID="{989501AF-40CB-4F34-A677-ADE87ABDC981}">
+<ds:datastoreItem xmlns:ds="http://schemas.openxmlformats.org/officeDocument/2006/customXml" ds:itemID="{D6311DFA-E2F8-4506-9F8B-BD09EBB3ABC0}">
   <ds:schemaRefs>
-    <ds:schemaRef ds:uri="http://schemas.microsoft.com/sharepoint/v3/contenttype/forms"/>
+    <ds:schemaRef ds:uri="http://schemas.microsoft.com/office/2006/documentManagement/types"/>
+    <ds:schemaRef ds:uri="http://schemas.openxmlformats.org/package/2006/metadata/core-properties"/>
+    <ds:schemaRef ds:uri="http://purl.org/dc/dcmitype/"/>
+    <ds:schemaRef ds:uri="http://purl.org/dc/elements/1.1/"/>
+    <ds:schemaRef ds:uri="http://schemas.microsoft.com/office/2006/metadata/properties"/>
+    <ds:schemaRef ds:uri="http://www.w3.org/XML/1998/namespace"/>
+    <ds:schemaRef ds:uri="http://purl.org/dc/terms/"/>
   </ds:schemaRefs>
 </ds:datastoreItem>
 </file>
@@ -37443,15 +38874,9 @@
 </file>
 
 <file path=customXml/itemProps3.xml><?xml version="1.0" encoding="utf-8"?>
-<ds:datastoreItem xmlns:ds="http://schemas.openxmlformats.org/officeDocument/2006/customXml" ds:itemID="{D6311DFA-E2F8-4506-9F8B-BD09EBB3ABC0}">
+<ds:datastoreItem xmlns:ds="http://schemas.openxmlformats.org/officeDocument/2006/customXml" ds:itemID="{989501AF-40CB-4F34-A677-ADE87ABDC981}">
   <ds:schemaRefs>
-    <ds:schemaRef ds:uri="http://schemas.microsoft.com/office/2006/documentManagement/types"/>
-    <ds:schemaRef ds:uri="http://schemas.openxmlformats.org/package/2006/metadata/core-properties"/>
-    <ds:schemaRef ds:uri="http://purl.org/dc/dcmitype/"/>
-    <ds:schemaRef ds:uri="http://purl.org/dc/elements/1.1/"/>
-    <ds:schemaRef ds:uri="http://schemas.microsoft.com/office/2006/metadata/properties"/>
-    <ds:schemaRef ds:uri="http://www.w3.org/XML/1998/namespace"/>
-    <ds:schemaRef ds:uri="http://purl.org/dc/terms/"/>
+    <ds:schemaRef ds:uri="http://schemas.microsoft.com/sharepoint/v3/contenttype/forms"/>
   </ds:schemaRefs>
 </ds:datastoreItem>
 </file>